--- a/poster_IdanElad.pptx
+++ b/poster_IdanElad.pptx
@@ -254,7 +254,7 @@
           <a:p>
             <a:fld id="{BCDB4CCA-86B4-4F39-9B78-29D2AAF00313}" type="datetimeFigureOut">
               <a:rPr lang="he-IL" smtClean="0"/>
-              <a:t>י"ז/אייר/תשע"ז</a:t>
+              <a:t>כ'/אייר/תשע"ז</a:t>
             </a:fld>
             <a:endParaRPr lang="he-IL"/>
           </a:p>
@@ -424,7 +424,7 @@
           <a:p>
             <a:fld id="{BCDB4CCA-86B4-4F39-9B78-29D2AAF00313}" type="datetimeFigureOut">
               <a:rPr lang="he-IL" smtClean="0"/>
-              <a:t>י"ז/אייר/תשע"ז</a:t>
+              <a:t>כ'/אייר/תשע"ז</a:t>
             </a:fld>
             <a:endParaRPr lang="he-IL"/>
           </a:p>
@@ -604,7 +604,7 @@
           <a:p>
             <a:fld id="{BCDB4CCA-86B4-4F39-9B78-29D2AAF00313}" type="datetimeFigureOut">
               <a:rPr lang="he-IL" smtClean="0"/>
-              <a:t>י"ז/אייר/תשע"ז</a:t>
+              <a:t>כ'/אייר/תשע"ז</a:t>
             </a:fld>
             <a:endParaRPr lang="he-IL"/>
           </a:p>
@@ -774,7 +774,7 @@
           <a:p>
             <a:fld id="{BCDB4CCA-86B4-4F39-9B78-29D2AAF00313}" type="datetimeFigureOut">
               <a:rPr lang="he-IL" smtClean="0"/>
-              <a:t>י"ז/אייר/תשע"ז</a:t>
+              <a:t>כ'/אייר/תשע"ז</a:t>
             </a:fld>
             <a:endParaRPr lang="he-IL"/>
           </a:p>
@@ -1018,7 +1018,7 @@
           <a:p>
             <a:fld id="{BCDB4CCA-86B4-4F39-9B78-29D2AAF00313}" type="datetimeFigureOut">
               <a:rPr lang="he-IL" smtClean="0"/>
-              <a:t>י"ז/אייר/תשע"ז</a:t>
+              <a:t>כ'/אייר/תשע"ז</a:t>
             </a:fld>
             <a:endParaRPr lang="he-IL"/>
           </a:p>
@@ -1250,7 +1250,7 @@
           <a:p>
             <a:fld id="{BCDB4CCA-86B4-4F39-9B78-29D2AAF00313}" type="datetimeFigureOut">
               <a:rPr lang="he-IL" smtClean="0"/>
-              <a:t>י"ז/אייר/תשע"ז</a:t>
+              <a:t>כ'/אייר/תשע"ז</a:t>
             </a:fld>
             <a:endParaRPr lang="he-IL"/>
           </a:p>
@@ -1617,7 +1617,7 @@
           <a:p>
             <a:fld id="{BCDB4CCA-86B4-4F39-9B78-29D2AAF00313}" type="datetimeFigureOut">
               <a:rPr lang="he-IL" smtClean="0"/>
-              <a:t>י"ז/אייר/תשע"ז</a:t>
+              <a:t>כ'/אייר/תשע"ז</a:t>
             </a:fld>
             <a:endParaRPr lang="he-IL"/>
           </a:p>
@@ -1735,7 +1735,7 @@
           <a:p>
             <a:fld id="{BCDB4CCA-86B4-4F39-9B78-29D2AAF00313}" type="datetimeFigureOut">
               <a:rPr lang="he-IL" smtClean="0"/>
-              <a:t>י"ז/אייר/תשע"ז</a:t>
+              <a:t>כ'/אייר/תשע"ז</a:t>
             </a:fld>
             <a:endParaRPr lang="he-IL"/>
           </a:p>
@@ -1830,7 +1830,7 @@
           <a:p>
             <a:fld id="{BCDB4CCA-86B4-4F39-9B78-29D2AAF00313}" type="datetimeFigureOut">
               <a:rPr lang="he-IL" smtClean="0"/>
-              <a:t>י"ז/אייר/תשע"ז</a:t>
+              <a:t>כ'/אייר/תשע"ז</a:t>
             </a:fld>
             <a:endParaRPr lang="he-IL"/>
           </a:p>
@@ -2107,7 +2107,7 @@
           <a:p>
             <a:fld id="{BCDB4CCA-86B4-4F39-9B78-29D2AAF00313}" type="datetimeFigureOut">
               <a:rPr lang="he-IL" smtClean="0"/>
-              <a:t>י"ז/אייר/תשע"ז</a:t>
+              <a:t>כ'/אייר/תשע"ז</a:t>
             </a:fld>
             <a:endParaRPr lang="he-IL"/>
           </a:p>
@@ -2364,7 +2364,7 @@
           <a:p>
             <a:fld id="{BCDB4CCA-86B4-4F39-9B78-29D2AAF00313}" type="datetimeFigureOut">
               <a:rPr lang="he-IL" smtClean="0"/>
-              <a:t>י"ז/אייר/תשע"ז</a:t>
+              <a:t>כ'/אייר/תשע"ז</a:t>
             </a:fld>
             <a:endParaRPr lang="he-IL"/>
           </a:p>
@@ -2577,7 +2577,7 @@
           <a:p>
             <a:fld id="{BCDB4CCA-86B4-4F39-9B78-29D2AAF00313}" type="datetimeFigureOut">
               <a:rPr lang="he-IL" smtClean="0"/>
-              <a:t>י"ז/אייר/תשע"ז</a:t>
+              <a:t>כ'/אייר/תשע"ז</a:t>
             </a:fld>
             <a:endParaRPr lang="he-IL"/>
           </a:p>
@@ -3132,10 +3132,10 @@
                 <a:ea typeface="Tahoma" panose="020B0604030504040204" pitchFamily="34" charset="0"/>
                 <a:cs typeface="Tahoma" panose="020B0604030504040204" pitchFamily="34" charset="0"/>
               </a:rPr>
-              <a:t>שם המנטור: 	</a:t>
-            </a:r>
-            <a:r>
-              <a:rPr lang="he-IL" sz="2800" b="1" dirty="0" smtClean="0">
+              <a:t>שם </a:t>
+            </a:r>
+            <a:r>
+              <a:rPr lang="he-IL" sz="2800" b="1" dirty="0" err="1" smtClean="0">
                 <a:solidFill>
                   <a:schemeClr val="bg1"/>
                 </a:solidFill>
@@ -3143,7 +3143,18 @@
                 <a:ea typeface="Tahoma" panose="020B0604030504040204" pitchFamily="34" charset="0"/>
                 <a:cs typeface="Tahoma" panose="020B0604030504040204" pitchFamily="34" charset="0"/>
               </a:rPr>
-              <a:t>איתמר נידם</a:t>
+              <a:t>המנטור</a:t>
+            </a:r>
+            <a:r>
+              <a:rPr lang="he-IL" sz="2800" b="1" dirty="0" smtClean="0">
+                <a:solidFill>
+                  <a:schemeClr val="bg1"/>
+                </a:solidFill>
+                <a:latin typeface="Tahoma" panose="020B0604030504040204" pitchFamily="34" charset="0"/>
+                <a:ea typeface="Tahoma" panose="020B0604030504040204" pitchFamily="34" charset="0"/>
+                <a:cs typeface="Tahoma" panose="020B0604030504040204" pitchFamily="34" charset="0"/>
+              </a:rPr>
+              <a:t>: איתמר נידם	</a:t>
             </a:r>
             <a:r>
               <a:rPr lang="he-IL" sz="2800" b="1" dirty="0">
@@ -3165,7 +3176,18 @@
                 <a:ea typeface="Tahoma" panose="020B0604030504040204" pitchFamily="34" charset="0"/>
                 <a:cs typeface="Tahoma" panose="020B0604030504040204" pitchFamily="34" charset="0"/>
               </a:rPr>
-              <a:t>מוקד:ירושלים</a:t>
+              <a:t>מוקד</a:t>
+            </a:r>
+            <a:r>
+              <a:rPr lang="he-IL" sz="2800" b="1" dirty="0" smtClean="0">
+                <a:solidFill>
+                  <a:schemeClr val="bg1"/>
+                </a:solidFill>
+                <a:latin typeface="Tahoma" panose="020B0604030504040204" pitchFamily="34" charset="0"/>
+                <a:ea typeface="Tahoma" panose="020B0604030504040204" pitchFamily="34" charset="0"/>
+                <a:cs typeface="Tahoma" panose="020B0604030504040204" pitchFamily="34" charset="0"/>
+              </a:rPr>
+              <a:t>: ירושלים</a:t>
             </a:r>
             <a:endParaRPr lang="he-IL" sz="2800" b="1" dirty="0">
               <a:solidFill>
@@ -3187,7 +3209,7 @@
         <p:spPr>
           <a:xfrm>
             <a:off x="950976" y="4482257"/>
-            <a:ext cx="8833104" cy="2062103"/>
+            <a:ext cx="8833104" cy="954107"/>
           </a:xfrm>
           <a:prstGeom prst="rect">
             <a:avLst/>
@@ -3209,7 +3231,7 @@
           <a:p>
             <a:pPr algn="ctr"/>
             <a:r>
-              <a:rPr lang="he-IL" sz="3200" b="1" dirty="0">
+              <a:rPr lang="he-IL" sz="3200" b="1" dirty="0" smtClean="0">
                 <a:solidFill>
                   <a:srgbClr val="5ECBF0"/>
                 </a:solidFill>
@@ -3217,11 +3239,8 @@
                 <a:ea typeface="Tahoma" panose="020B0604030504040204" pitchFamily="34" charset="0"/>
                 <a:cs typeface="Tahoma" panose="020B0604030504040204" pitchFamily="34" charset="0"/>
               </a:rPr>
-              <a:t>תאור הפרויקט</a:t>
-            </a:r>
-          </a:p>
-          <a:p>
-            <a:pPr algn="ctr"/>
+              <a:t>תיאור הפרויקט</a:t>
+            </a:r>
             <a:endParaRPr lang="he-IL" sz="2400" b="1" dirty="0">
               <a:solidFill>
                 <a:schemeClr val="bg1"/>
@@ -3233,24 +3252,29 @@
           </a:p>
           <a:p>
             <a:pPr algn="ctr"/>
-            <a:endParaRPr lang="he-IL" sz="2400" b="1" dirty="0">
-              <a:solidFill>
-                <a:schemeClr val="bg1"/>
-              </a:solidFill>
-              <a:latin typeface="Tahoma" panose="020B0604030504040204" pitchFamily="34" charset="0"/>
-              <a:ea typeface="Tahoma" panose="020B0604030504040204" pitchFamily="34" charset="0"/>
-              <a:cs typeface="Tahoma" panose="020B0604030504040204" pitchFamily="34" charset="0"/>
-            </a:endParaRPr>
-          </a:p>
-          <a:p>
-            <a:pPr algn="ctr"/>
             <a:r>
               <a:rPr lang="he-IL" sz="2400" b="1" dirty="0" smtClean="0">
                 <a:latin typeface="Tahoma" panose="020B0604030504040204" pitchFamily="34" charset="0"/>
                 <a:ea typeface="Tahoma" panose="020B0604030504040204" pitchFamily="34" charset="0"/>
                 <a:cs typeface="Tahoma" panose="020B0604030504040204" pitchFamily="34" charset="0"/>
               </a:rPr>
-              <a:t>אפליקצית מסרים מיידים</a:t>
+              <a:t>אפליקציית </a:t>
+            </a:r>
+            <a:r>
+              <a:rPr lang="he-IL" sz="2400" b="1" dirty="0" smtClean="0">
+                <a:latin typeface="Tahoma" panose="020B0604030504040204" pitchFamily="34" charset="0"/>
+                <a:ea typeface="Tahoma" panose="020B0604030504040204" pitchFamily="34" charset="0"/>
+                <a:cs typeface="Tahoma" panose="020B0604030504040204" pitchFamily="34" charset="0"/>
+              </a:rPr>
+              <a:t>מסרים </a:t>
+            </a:r>
+            <a:r>
+              <a:rPr lang="he-IL" sz="2400" b="1" dirty="0" smtClean="0">
+                <a:latin typeface="Tahoma" panose="020B0604030504040204" pitchFamily="34" charset="0"/>
+                <a:ea typeface="Tahoma" panose="020B0604030504040204" pitchFamily="34" charset="0"/>
+                <a:cs typeface="Tahoma" panose="020B0604030504040204" pitchFamily="34" charset="0"/>
+              </a:rPr>
+              <a:t>מיידים</a:t>
             </a:r>
             <a:endParaRPr lang="he-IL" sz="2400" b="1" dirty="0">
               <a:latin typeface="Tahoma" panose="020B0604030504040204" pitchFamily="34" charset="0"/>
@@ -3258,17 +3282,6 @@
               <a:cs typeface="Tahoma" panose="020B0604030504040204" pitchFamily="34" charset="0"/>
             </a:endParaRPr>
           </a:p>
-          <a:p>
-            <a:pPr algn="ctr"/>
-            <a:endParaRPr lang="he-IL" sz="2400" b="1" dirty="0">
-              <a:solidFill>
-                <a:schemeClr val="bg1"/>
-              </a:solidFill>
-              <a:latin typeface="Tahoma" panose="020B0604030504040204" pitchFamily="34" charset="0"/>
-              <a:ea typeface="Tahoma" panose="020B0604030504040204" pitchFamily="34" charset="0"/>
-              <a:cs typeface="Tahoma" panose="020B0604030504040204" pitchFamily="34" charset="0"/>
-            </a:endParaRPr>
-          </a:p>
         </p:txBody>
       </p:sp>
       <p:sp>
@@ -3279,8 +3292,8 @@
         </p:nvSpPr>
         <p:spPr>
           <a:xfrm>
-            <a:off x="950976" y="7486781"/>
-            <a:ext cx="4334256" cy="1292662"/>
+            <a:off x="950976" y="5845101"/>
+            <a:ext cx="4334256" cy="2123658"/>
           </a:xfrm>
           <a:prstGeom prst="rect">
             <a:avLst/>
@@ -3368,7 +3381,18 @@
                 <a:ea typeface="Tahoma" panose="020B0604030504040204" pitchFamily="34" charset="0"/>
                 <a:cs typeface="Tahoma" panose="020B0604030504040204" pitchFamily="34" charset="0"/>
               </a:rPr>
-              <a:t>הפעלה:</a:t>
+              <a:t>הפעלה</a:t>
+            </a:r>
+            <a:r>
+              <a:rPr lang="he-IL" dirty="0" smtClean="0">
+                <a:solidFill>
+                  <a:srgbClr val="00549B"/>
+                </a:solidFill>
+                <a:latin typeface="Tahoma" panose="020B0604030504040204" pitchFamily="34" charset="0"/>
+                <a:ea typeface="Tahoma" panose="020B0604030504040204" pitchFamily="34" charset="0"/>
+                <a:cs typeface="Tahoma" panose="020B0604030504040204" pitchFamily="34" charset="0"/>
+              </a:rPr>
+              <a:t>: </a:t>
             </a:r>
             <a:r>
               <a:rPr lang="en-US" dirty="0" smtClean="0">
@@ -3414,6 +3438,17 @@
               </a:rPr>
               <a:t>:</a:t>
             </a:r>
+            <a:endParaRPr lang="en-US" dirty="0" smtClean="0">
+              <a:solidFill>
+                <a:srgbClr val="00549B"/>
+              </a:solidFill>
+              <a:latin typeface="Tahoma" panose="020B0604030504040204" pitchFamily="34" charset="0"/>
+              <a:ea typeface="Tahoma" panose="020B0604030504040204" pitchFamily="34" charset="0"/>
+              <a:cs typeface="Tahoma" panose="020B0604030504040204" pitchFamily="34" charset="0"/>
+            </a:endParaRPr>
+          </a:p>
+          <a:p>
+            <a:pPr algn="ctr"/>
             <a:r>
               <a:rPr lang="en-US" dirty="0" smtClean="0">
                 <a:solidFill>
@@ -3423,7 +3458,106 @@
                 <a:ea typeface="Tahoma" panose="020B0604030504040204" pitchFamily="34" charset="0"/>
                 <a:cs typeface="Tahoma" panose="020B0604030504040204" pitchFamily="34" charset="0"/>
               </a:rPr>
-              <a:t> server at windows</a:t>
+              <a:t>communication</a:t>
+            </a:r>
+            <a:r>
+              <a:rPr lang="he-IL" dirty="0" smtClean="0">
+                <a:solidFill>
+                  <a:srgbClr val="00549B"/>
+                </a:solidFill>
+                <a:latin typeface="Tahoma" panose="020B0604030504040204" pitchFamily="34" charset="0"/>
+                <a:ea typeface="Tahoma" panose="020B0604030504040204" pitchFamily="34" charset="0"/>
+                <a:cs typeface="Tahoma" panose="020B0604030504040204" pitchFamily="34" charset="0"/>
+              </a:rPr>
+              <a:t> </a:t>
+            </a:r>
+            <a:r>
+              <a:rPr lang="en-US" dirty="0">
+                <a:solidFill>
+                  <a:srgbClr val="00549B"/>
+                </a:solidFill>
+                <a:latin typeface="Tahoma" panose="020B0604030504040204" pitchFamily="34" charset="0"/>
+                <a:ea typeface="Tahoma" panose="020B0604030504040204" pitchFamily="34" charset="0"/>
+                <a:cs typeface="Tahoma" panose="020B0604030504040204" pitchFamily="34" charset="0"/>
+              </a:rPr>
+              <a:t>client–server</a:t>
+            </a:r>
+            <a:endParaRPr lang="he-IL" dirty="0" smtClean="0">
+              <a:solidFill>
+                <a:srgbClr val="00549B"/>
+              </a:solidFill>
+              <a:latin typeface="Tahoma" panose="020B0604030504040204" pitchFamily="34" charset="0"/>
+              <a:ea typeface="Tahoma" panose="020B0604030504040204" pitchFamily="34" charset="0"/>
+              <a:cs typeface="Tahoma" panose="020B0604030504040204" pitchFamily="34" charset="0"/>
+            </a:endParaRPr>
+          </a:p>
+          <a:p>
+            <a:pPr algn="ctr"/>
+            <a:r>
+              <a:rPr lang="en-US" dirty="0" smtClean="0">
+                <a:solidFill>
+                  <a:srgbClr val="00549B"/>
+                </a:solidFill>
+                <a:latin typeface="Tahoma" panose="020B0604030504040204" pitchFamily="34" charset="0"/>
+                <a:ea typeface="Tahoma" panose="020B0604030504040204" pitchFamily="34" charset="0"/>
+                <a:cs typeface="Tahoma" panose="020B0604030504040204" pitchFamily="34" charset="0"/>
+              </a:rPr>
+              <a:t> </a:t>
+            </a:r>
+            <a:r>
+              <a:rPr lang="en-US" dirty="0" smtClean="0">
+                <a:solidFill>
+                  <a:srgbClr val="00549B"/>
+                </a:solidFill>
+                <a:latin typeface="Tahoma" panose="020B0604030504040204" pitchFamily="34" charset="0"/>
+                <a:ea typeface="Tahoma" panose="020B0604030504040204" pitchFamily="34" charset="0"/>
+                <a:cs typeface="Tahoma" panose="020B0604030504040204" pitchFamily="34" charset="0"/>
+              </a:rPr>
+              <a:t>server at </a:t>
+            </a:r>
+            <a:r>
+              <a:rPr lang="en-US" dirty="0" smtClean="0">
+                <a:solidFill>
+                  <a:srgbClr val="00549B"/>
+                </a:solidFill>
+                <a:latin typeface="Tahoma" panose="020B0604030504040204" pitchFamily="34" charset="0"/>
+                <a:ea typeface="Tahoma" panose="020B0604030504040204" pitchFamily="34" charset="0"/>
+                <a:cs typeface="Tahoma" panose="020B0604030504040204" pitchFamily="34" charset="0"/>
+              </a:rPr>
+              <a:t>windows</a:t>
+            </a:r>
+            <a:endParaRPr lang="he-IL" dirty="0" smtClean="0">
+              <a:solidFill>
+                <a:srgbClr val="00549B"/>
+              </a:solidFill>
+              <a:latin typeface="Tahoma" panose="020B0604030504040204" pitchFamily="34" charset="0"/>
+              <a:ea typeface="Tahoma" panose="020B0604030504040204" pitchFamily="34" charset="0"/>
+              <a:cs typeface="Tahoma" panose="020B0604030504040204" pitchFamily="34" charset="0"/>
+            </a:endParaRPr>
+          </a:p>
+          <a:p>
+            <a:pPr algn="ctr"/>
+            <a:r>
+              <a:rPr lang="en-US" dirty="0" err="1" smtClean="0">
+                <a:solidFill>
+                  <a:srgbClr val="00549B"/>
+                </a:solidFill>
+                <a:latin typeface="Tahoma" panose="020B0604030504040204" pitchFamily="34" charset="0"/>
+                <a:ea typeface="Tahoma" panose="020B0604030504040204" pitchFamily="34" charset="0"/>
+                <a:cs typeface="Tahoma" panose="020B0604030504040204" pitchFamily="34" charset="0"/>
+              </a:rPr>
+              <a:t>D</a:t>
+            </a:r>
+            <a:r>
+              <a:rPr lang="en-US" dirty="0" err="1" smtClean="0">
+                <a:solidFill>
+                  <a:srgbClr val="00549B"/>
+                </a:solidFill>
+                <a:latin typeface="Tahoma" panose="020B0604030504040204" pitchFamily="34" charset="0"/>
+                <a:ea typeface="Tahoma" panose="020B0604030504040204" pitchFamily="34" charset="0"/>
+                <a:cs typeface="Tahoma" panose="020B0604030504040204" pitchFamily="34" charset="0"/>
+              </a:rPr>
+              <a:t>ataBase</a:t>
             </a:r>
             <a:endParaRPr lang="he-IL" dirty="0">
               <a:solidFill>
@@ -3444,8 +3578,8 @@
         </p:nvSpPr>
         <p:spPr>
           <a:xfrm>
-            <a:off x="5449824" y="7486780"/>
-            <a:ext cx="4334256" cy="1938992"/>
+            <a:off x="5449824" y="5845101"/>
+            <a:ext cx="4334256" cy="2677656"/>
           </a:xfrm>
           <a:prstGeom prst="rect">
             <a:avLst/>
@@ -3479,7 +3613,94 @@
             </a:r>
           </a:p>
           <a:p>
-            <a:pPr algn="ctr"/>
+            <a:pPr marL="342900" indent="-342900" algn="ctr">
+              <a:buFont typeface="Arial" panose="020B0604020202020204" pitchFamily="34" charset="0"/>
+              <a:buChar char="•"/>
+            </a:pPr>
+            <a:r>
+              <a:rPr lang="he-IL" sz="2400" b="1" dirty="0" smtClean="0">
+                <a:solidFill>
+                  <a:srgbClr val="00549B"/>
+                </a:solidFill>
+                <a:latin typeface="Tahoma" panose="020B0604030504040204" pitchFamily="34" charset="0"/>
+                <a:ea typeface="Tahoma" panose="020B0604030504040204" pitchFamily="34" charset="0"/>
+                <a:cs typeface="Tahoma" panose="020B0604030504040204" pitchFamily="34" charset="0"/>
+              </a:rPr>
+              <a:t>ניהול חשבונות</a:t>
+            </a:r>
+          </a:p>
+          <a:p>
+            <a:pPr marL="342900" indent="-342900" algn="ctr">
+              <a:buFont typeface="Arial" panose="020B0604020202020204" pitchFamily="34" charset="0"/>
+              <a:buChar char="•"/>
+            </a:pPr>
+            <a:r>
+              <a:rPr lang="he-IL" sz="2400" b="1" dirty="0" smtClean="0">
+                <a:solidFill>
+                  <a:srgbClr val="00549B"/>
+                </a:solidFill>
+                <a:latin typeface="Tahoma" panose="020B0604030504040204" pitchFamily="34" charset="0"/>
+                <a:ea typeface="Tahoma" panose="020B0604030504040204" pitchFamily="34" charset="0"/>
+                <a:cs typeface="Tahoma" panose="020B0604030504040204" pitchFamily="34" charset="0"/>
+              </a:rPr>
+              <a:t>הרשמה והתחברות    מכל מכשיר</a:t>
+            </a:r>
+          </a:p>
+          <a:p>
+            <a:pPr marL="342900" indent="-342900" algn="ctr">
+              <a:buFont typeface="Arial" panose="020B0604020202020204" pitchFamily="34" charset="0"/>
+              <a:buChar char="•"/>
+            </a:pPr>
+            <a:r>
+              <a:rPr lang="he-IL" sz="2400" b="1" dirty="0" smtClean="0">
+                <a:solidFill>
+                  <a:srgbClr val="00549B"/>
+                </a:solidFill>
+                <a:latin typeface="Tahoma" panose="020B0604030504040204" pitchFamily="34" charset="0"/>
+                <a:ea typeface="Tahoma" panose="020B0604030504040204" pitchFamily="34" charset="0"/>
+                <a:cs typeface="Tahoma" panose="020B0604030504040204" pitchFamily="34" charset="0"/>
+              </a:rPr>
+              <a:t>שליחת </a:t>
+            </a:r>
+            <a:r>
+              <a:rPr lang="he-IL" sz="2400" b="1" dirty="0" smtClean="0">
+                <a:solidFill>
+                  <a:srgbClr val="00549B"/>
+                </a:solidFill>
+                <a:latin typeface="Tahoma" panose="020B0604030504040204" pitchFamily="34" charset="0"/>
+                <a:ea typeface="Tahoma" panose="020B0604030504040204" pitchFamily="34" charset="0"/>
+                <a:cs typeface="Tahoma" panose="020B0604030504040204" pitchFamily="34" charset="0"/>
+              </a:rPr>
+              <a:t>וקבלת הודעות ממשתמשים </a:t>
+            </a:r>
+            <a:r>
+              <a:rPr lang="he-IL" sz="2400" b="1" dirty="0" smtClean="0">
+                <a:solidFill>
+                  <a:srgbClr val="00549B"/>
+                </a:solidFill>
+                <a:latin typeface="Tahoma" panose="020B0604030504040204" pitchFamily="34" charset="0"/>
+                <a:ea typeface="Tahoma" panose="020B0604030504040204" pitchFamily="34" charset="0"/>
+                <a:cs typeface="Tahoma" panose="020B0604030504040204" pitchFamily="34" charset="0"/>
+              </a:rPr>
+              <a:t>אחרים</a:t>
+            </a:r>
+          </a:p>
+          <a:p>
+            <a:pPr marL="342900" indent="-342900" algn="ctr">
+              <a:buFont typeface="Arial" panose="020B0604020202020204" pitchFamily="34" charset="0"/>
+              <a:buChar char="•"/>
+            </a:pPr>
+            <a:r>
+              <a:rPr lang="he-IL" sz="2400" b="1" dirty="0" smtClean="0">
+                <a:solidFill>
+                  <a:srgbClr val="00549B"/>
+                </a:solidFill>
+                <a:latin typeface="Tahoma" panose="020B0604030504040204" pitchFamily="34" charset="0"/>
+                <a:ea typeface="Tahoma" panose="020B0604030504040204" pitchFamily="34" charset="0"/>
+                <a:cs typeface="Tahoma" panose="020B0604030504040204" pitchFamily="34" charset="0"/>
+              </a:rPr>
+              <a:t>שמירת צ'אטים ישנים</a:t>
+            </a:r>
             <a:endParaRPr lang="he-IL" sz="2400" b="1" dirty="0">
               <a:solidFill>
                 <a:srgbClr val="00549B"/>
@@ -3489,39 +3710,6 @@
               <a:cs typeface="Tahoma" panose="020B0604030504040204" pitchFamily="34" charset="0"/>
             </a:endParaRPr>
           </a:p>
-          <a:p>
-            <a:pPr algn="ctr"/>
-            <a:r>
-              <a:rPr lang="he-IL" sz="2400" b="1" dirty="0" smtClean="0">
-                <a:solidFill>
-                  <a:srgbClr val="00549B"/>
-                </a:solidFill>
-                <a:latin typeface="Tahoma" panose="020B0604030504040204" pitchFamily="34" charset="0"/>
-                <a:ea typeface="Tahoma" panose="020B0604030504040204" pitchFamily="34" charset="0"/>
-                <a:cs typeface="Tahoma" panose="020B0604030504040204" pitchFamily="34" charset="0"/>
-              </a:rPr>
-              <a:t>שליחת וקבלת הודעות ממשתמשים אחרים</a:t>
-            </a:r>
-            <a:endParaRPr lang="he-IL" sz="2400" b="1" dirty="0">
-              <a:solidFill>
-                <a:schemeClr val="bg1"/>
-              </a:solidFill>
-              <a:latin typeface="Tahoma" panose="020B0604030504040204" pitchFamily="34" charset="0"/>
-              <a:ea typeface="Tahoma" panose="020B0604030504040204" pitchFamily="34" charset="0"/>
-              <a:cs typeface="Tahoma" panose="020B0604030504040204" pitchFamily="34" charset="0"/>
-            </a:endParaRPr>
-          </a:p>
-          <a:p>
-            <a:pPr algn="ctr"/>
-            <a:endParaRPr lang="he-IL" sz="2400" b="1" dirty="0">
-              <a:solidFill>
-                <a:schemeClr val="bg1"/>
-              </a:solidFill>
-              <a:latin typeface="Tahoma" panose="020B0604030504040204" pitchFamily="34" charset="0"/>
-              <a:ea typeface="Tahoma" panose="020B0604030504040204" pitchFamily="34" charset="0"/>
-              <a:cs typeface="Tahoma" panose="020B0604030504040204" pitchFamily="34" charset="0"/>
-            </a:endParaRPr>
-          </a:p>
         </p:txBody>
       </p:sp>
       <p:sp>
@@ -3532,8 +3720,8 @@
         </p:nvSpPr>
         <p:spPr>
           <a:xfrm>
-            <a:off x="950976" y="10664283"/>
-            <a:ext cx="4334256" cy="2954655"/>
+            <a:off x="950976" y="9197226"/>
+            <a:ext cx="8833104" cy="4308872"/>
           </a:xfrm>
           <a:prstGeom prst="rect">
             <a:avLst/>
@@ -3553,32 +3741,48 @@
           </a:bodyPr>
           <a:lstStyle/>
           <a:p>
-            <a:pPr algn="ctr"/>
-            <a:r>
-              <a:rPr lang="he-IL" sz="2400" b="1" dirty="0">
-                <a:solidFill>
-                  <a:srgbClr val="F390AF"/>
+            <a:pPr algn="r"/>
+            <a:r>
+              <a:rPr lang="he-IL" b="1" dirty="0" smtClean="0">
+                <a:solidFill>
+                  <a:srgbClr val="002060"/>
                 </a:solidFill>
                 <a:latin typeface="Tahoma" panose="020B0604030504040204" pitchFamily="34" charset="0"/>
                 <a:ea typeface="Tahoma" panose="020B0604030504040204" pitchFamily="34" charset="0"/>
                 <a:cs typeface="Tahoma" panose="020B0604030504040204" pitchFamily="34" charset="0"/>
               </a:rPr>
-              <a:t>תמונות/טקסט נוסף</a:t>
-            </a:r>
+              <a:t> הרשם/התחבר   תחדש שיחות ישנות   תתחיל שיחה חדשה     תתכתב!</a:t>
+            </a:r>
+            <a:endParaRPr lang="en-US" b="1" dirty="0" smtClean="0">
+              <a:solidFill>
+                <a:schemeClr val="bg1"/>
+              </a:solidFill>
+              <a:latin typeface="Tahoma" panose="020B0604030504040204" pitchFamily="34" charset="0"/>
+              <a:ea typeface="Tahoma" panose="020B0604030504040204" pitchFamily="34" charset="0"/>
+              <a:cs typeface="Tahoma" panose="020B0604030504040204" pitchFamily="34" charset="0"/>
+            </a:endParaRPr>
           </a:p>
           <a:p>
             <a:pPr algn="ctr"/>
-            <a:r>
-              <a:rPr lang="he-IL" dirty="0">
-                <a:solidFill>
-                  <a:srgbClr val="00549B"/>
-                </a:solidFill>
-                <a:latin typeface="Tahoma" panose="020B0604030504040204" pitchFamily="34" charset="0"/>
-                <a:ea typeface="Tahoma" panose="020B0604030504040204" pitchFamily="34" charset="0"/>
-                <a:cs typeface="Tahoma" panose="020B0604030504040204" pitchFamily="34" charset="0"/>
-              </a:rPr>
-              <a:t>אנא הקלד את תיאור הפרויקט  </a:t>
-            </a:r>
+            <a:endParaRPr lang="en-US" sz="2400" b="1" dirty="0" smtClean="0">
+              <a:solidFill>
+                <a:schemeClr val="bg1"/>
+              </a:solidFill>
+              <a:latin typeface="Tahoma" panose="020B0604030504040204" pitchFamily="34" charset="0"/>
+              <a:ea typeface="Tahoma" panose="020B0604030504040204" pitchFamily="34" charset="0"/>
+              <a:cs typeface="Tahoma" panose="020B0604030504040204" pitchFamily="34" charset="0"/>
+            </a:endParaRPr>
+          </a:p>
+          <a:p>
+            <a:pPr algn="ctr"/>
+            <a:endParaRPr lang="en-US" sz="2400" b="1" dirty="0">
+              <a:solidFill>
+                <a:schemeClr val="bg1"/>
+              </a:solidFill>
+              <a:latin typeface="Tahoma" panose="020B0604030504040204" pitchFamily="34" charset="0"/>
+              <a:ea typeface="Tahoma" panose="020B0604030504040204" pitchFamily="34" charset="0"/>
+              <a:cs typeface="Tahoma" panose="020B0604030504040204" pitchFamily="34" charset="0"/>
+            </a:endParaRPr>
           </a:p>
           <a:p>
             <a:pPr algn="ctr"/>
@@ -3601,15 +3805,32 @@
           </a:p>
           <a:p>
             <a:pPr algn="ctr"/>
-            <a:r>
-              <a:rPr lang="he-IL" sz="2400" b="1" smtClean="0">
-                <a:latin typeface="Tahoma" panose="020B0604030504040204" pitchFamily="34" charset="0"/>
-                <a:ea typeface="Tahoma" panose="020B0604030504040204" pitchFamily="34" charset="0"/>
-                <a:cs typeface="Tahoma" panose="020B0604030504040204" pitchFamily="34" charset="0"/>
-              </a:rPr>
-              <a:t>אפליקציה לשליחת וקבלת הודעות מיידות  </a:t>
-            </a:r>
-            <a:endParaRPr lang="he-IL" sz="2400" b="1" dirty="0">
+            <a:endParaRPr lang="en-US" sz="2400" b="1" dirty="0" smtClean="0">
+              <a:solidFill>
+                <a:schemeClr val="bg1"/>
+              </a:solidFill>
+              <a:latin typeface="Tahoma" panose="020B0604030504040204" pitchFamily="34" charset="0"/>
+              <a:ea typeface="Tahoma" panose="020B0604030504040204" pitchFamily="34" charset="0"/>
+              <a:cs typeface="Tahoma" panose="020B0604030504040204" pitchFamily="34" charset="0"/>
+            </a:endParaRPr>
+          </a:p>
+          <a:p>
+            <a:pPr algn="ctr"/>
+            <a:endParaRPr lang="en-US" sz="2400" b="1" dirty="0">
+              <a:solidFill>
+                <a:schemeClr val="bg1"/>
+              </a:solidFill>
+              <a:latin typeface="Tahoma" panose="020B0604030504040204" pitchFamily="34" charset="0"/>
+              <a:ea typeface="Tahoma" panose="020B0604030504040204" pitchFamily="34" charset="0"/>
+              <a:cs typeface="Tahoma" panose="020B0604030504040204" pitchFamily="34" charset="0"/>
+            </a:endParaRPr>
+          </a:p>
+          <a:p>
+            <a:pPr algn="ctr"/>
+            <a:endParaRPr lang="en-US" sz="2400" b="1" dirty="0" smtClean="0">
+              <a:solidFill>
+                <a:schemeClr val="bg1"/>
+              </a:solidFill>
               <a:latin typeface="Tahoma" panose="020B0604030504040204" pitchFamily="34" charset="0"/>
               <a:ea typeface="Tahoma" panose="020B0604030504040204" pitchFamily="34" charset="0"/>
               <a:cs typeface="Tahoma" panose="020B0604030504040204" pitchFamily="34" charset="0"/>
@@ -3628,7 +3849,7 @@
           </a:p>
           <a:p>
             <a:pPr algn="ctr"/>
-            <a:endParaRPr lang="he-IL" sz="2400" b="1" dirty="0">
+            <a:endParaRPr lang="en-US" sz="2400" b="1" dirty="0" smtClean="0">
               <a:solidFill>
                 <a:schemeClr val="bg1"/>
               </a:solidFill>
@@ -3639,7 +3860,7 @@
           </a:p>
           <a:p>
             <a:pPr algn="ctr"/>
-            <a:endParaRPr lang="he-IL" sz="2400" b="1" dirty="0">
+            <a:endParaRPr lang="en-US" sz="2400" b="1" dirty="0">
               <a:solidFill>
                 <a:schemeClr val="bg1"/>
               </a:solidFill>
@@ -3648,86 +3869,31 @@
               <a:cs typeface="Tahoma" panose="020B0604030504040204" pitchFamily="34" charset="0"/>
             </a:endParaRPr>
           </a:p>
-        </p:txBody>
-      </p:sp>
-      <p:sp>
-        <p:nvSpPr>
-          <p:cNvPr id="12" name="TextBox 11"/>
-          <p:cNvSpPr txBox="1"/>
-          <p:nvPr/>
-        </p:nvSpPr>
-        <p:spPr>
-          <a:xfrm>
-            <a:off x="5449824" y="10664283"/>
-            <a:ext cx="4334256" cy="2769989"/>
-          </a:xfrm>
-          <a:prstGeom prst="rect">
-            <a:avLst/>
-          </a:prstGeom>
-          <a:solidFill>
-            <a:schemeClr val="bg1"/>
-          </a:solidFill>
-          <a:ln w="28575">
-            <a:solidFill>
-              <a:srgbClr val="00549B"/>
-            </a:solidFill>
-          </a:ln>
-        </p:spPr>
-        <p:txBody>
-          <a:bodyPr wrap="square" rtlCol="1">
-            <a:spAutoFit/>
-          </a:bodyPr>
-          <a:lstStyle/>
           <a:p>
             <a:pPr algn="ctr"/>
             <a:r>
-              <a:rPr lang="he-IL" sz="2400" b="1" dirty="0">
-                <a:solidFill>
-                  <a:srgbClr val="F390AF"/>
+              <a:rPr lang="he-IL" sz="4000" b="1" dirty="0">
+                <a:solidFill>
+                  <a:schemeClr val="bg1"/>
                 </a:solidFill>
                 <a:latin typeface="Tahoma" panose="020B0604030504040204" pitchFamily="34" charset="0"/>
                 <a:ea typeface="Tahoma" panose="020B0604030504040204" pitchFamily="34" charset="0"/>
                 <a:cs typeface="Tahoma" panose="020B0604030504040204" pitchFamily="34" charset="0"/>
               </a:rPr>
-              <a:t>תמונות/טקסט נוסף</a:t>
-            </a:r>
-          </a:p>
-          <a:p>
-            <a:pPr algn="ctr"/>
-            <a:r>
-              <a:rPr lang="he-IL" dirty="0">
-                <a:solidFill>
-                  <a:srgbClr val="00549B"/>
+              <a:t> </a:t>
+            </a:r>
+            <a:r>
+              <a:rPr lang="he-IL" sz="4000" b="1" dirty="0" smtClean="0">
+                <a:solidFill>
+                  <a:schemeClr val="bg1"/>
                 </a:solidFill>
                 <a:latin typeface="Tahoma" panose="020B0604030504040204" pitchFamily="34" charset="0"/>
                 <a:ea typeface="Tahoma" panose="020B0604030504040204" pitchFamily="34" charset="0"/>
                 <a:cs typeface="Tahoma" panose="020B0604030504040204" pitchFamily="34" charset="0"/>
               </a:rPr>
-              <a:t>יעלו תמונות לכאן:</a:t>
-            </a:r>
-          </a:p>
-          <a:p>
-            <a:pPr algn="ctr"/>
-            <a:r>
-              <a:rPr lang="en-US" dirty="0">
-                <a:latin typeface="Tahoma" panose="020B0604030504040204" pitchFamily="34" charset="0"/>
-                <a:ea typeface="Tahoma" panose="020B0604030504040204" pitchFamily="34" charset="0"/>
-                <a:cs typeface="Tahoma" panose="020B0604030504040204" pitchFamily="34" charset="0"/>
-              </a:rPr>
-              <a:t>https://drive.google.com/open?id=0B1b-shDd--24UWozUXlrelhMUU0</a:t>
-            </a:r>
-            <a:endParaRPr lang="he-IL" dirty="0">
-              <a:solidFill>
-                <a:srgbClr val="00549B"/>
-              </a:solidFill>
-              <a:latin typeface="Tahoma" panose="020B0604030504040204" pitchFamily="34" charset="0"/>
-              <a:ea typeface="Tahoma" panose="020B0604030504040204" pitchFamily="34" charset="0"/>
-              <a:cs typeface="Tahoma" panose="020B0604030504040204" pitchFamily="34" charset="0"/>
-            </a:endParaRPr>
-          </a:p>
-          <a:p>
-            <a:pPr algn="ctr"/>
-            <a:endParaRPr lang="he-IL" sz="2400" b="1" dirty="0">
+              <a:t> </a:t>
+            </a:r>
+            <a:endParaRPr lang="he-IL" sz="4000" b="1" dirty="0">
               <a:solidFill>
                 <a:schemeClr val="bg1"/>
               </a:solidFill>
@@ -3736,41 +3902,128 @@
               <a:cs typeface="Tahoma" panose="020B0604030504040204" pitchFamily="34" charset="0"/>
             </a:endParaRPr>
           </a:p>
-          <a:p>
-            <a:pPr algn="ctr"/>
-            <a:endParaRPr lang="he-IL" sz="2400" b="1" dirty="0">
-              <a:solidFill>
-                <a:schemeClr val="bg1"/>
-              </a:solidFill>
-              <a:latin typeface="Tahoma" panose="020B0604030504040204" pitchFamily="34" charset="0"/>
-              <a:ea typeface="Tahoma" panose="020B0604030504040204" pitchFamily="34" charset="0"/>
-              <a:cs typeface="Tahoma" panose="020B0604030504040204" pitchFamily="34" charset="0"/>
-            </a:endParaRPr>
-          </a:p>
-          <a:p>
-            <a:pPr algn="ctr"/>
-            <a:endParaRPr lang="he-IL" sz="2400" b="1" dirty="0">
-              <a:solidFill>
-                <a:schemeClr val="bg1"/>
-              </a:solidFill>
-              <a:latin typeface="Tahoma" panose="020B0604030504040204" pitchFamily="34" charset="0"/>
-              <a:ea typeface="Tahoma" panose="020B0604030504040204" pitchFamily="34" charset="0"/>
-              <a:cs typeface="Tahoma" panose="020B0604030504040204" pitchFamily="34" charset="0"/>
-            </a:endParaRPr>
-          </a:p>
-          <a:p>
-            <a:pPr algn="ctr"/>
-            <a:endParaRPr lang="he-IL" sz="2400" b="1" dirty="0">
-              <a:solidFill>
-                <a:schemeClr val="bg1"/>
-              </a:solidFill>
-              <a:latin typeface="Tahoma" panose="020B0604030504040204" pitchFamily="34" charset="0"/>
-              <a:ea typeface="Tahoma" panose="020B0604030504040204" pitchFamily="34" charset="0"/>
-              <a:cs typeface="Tahoma" panose="020B0604030504040204" pitchFamily="34" charset="0"/>
-            </a:endParaRPr>
-          </a:p>
-        </p:txBody>
-      </p:sp>
+        </p:txBody>
+      </p:sp>
+      <p:pic>
+        <p:nvPicPr>
+          <p:cNvPr id="9" name="Picture 8"/>
+          <p:cNvPicPr>
+            <a:picLocks noChangeAspect="1"/>
+          </p:cNvPicPr>
+          <p:nvPr/>
+        </p:nvPicPr>
+        <p:blipFill>
+          <a:blip r:embed="rId3" cstate="print">
+            <a:extLst>
+              <a:ext uri="{28A0092B-C50C-407E-A947-70E740481C1C}">
+                <a14:useLocalDpi xmlns:a14="http://schemas.microsoft.com/office/drawing/2010/main" val="0"/>
+              </a:ext>
+            </a:extLst>
+          </a:blip>
+          <a:stretch>
+            <a:fillRect/>
+          </a:stretch>
+        </p:blipFill>
+        <p:spPr>
+          <a:xfrm>
+            <a:off x="5449824" y="9763897"/>
+            <a:ext cx="2038539" cy="3624070"/>
+          </a:xfrm>
+          <a:prstGeom prst="rect">
+            <a:avLst/>
+          </a:prstGeom>
+        </p:spPr>
+      </p:pic>
+      <p:pic>
+        <p:nvPicPr>
+          <p:cNvPr id="14" name="Picture 13"/>
+          <p:cNvPicPr>
+            <a:picLocks noChangeAspect="1"/>
+          </p:cNvPicPr>
+          <p:nvPr/>
+        </p:nvPicPr>
+        <p:blipFill>
+          <a:blip r:embed="rId4" cstate="print">
+            <a:extLst>
+              <a:ext uri="{28A0092B-C50C-407E-A947-70E740481C1C}">
+                <a14:useLocalDpi xmlns:a14="http://schemas.microsoft.com/office/drawing/2010/main" val="0"/>
+              </a:ext>
+            </a:extLst>
+          </a:blip>
+          <a:stretch>
+            <a:fillRect/>
+          </a:stretch>
+        </p:blipFill>
+        <p:spPr>
+          <a:xfrm>
+            <a:off x="7571888" y="9763898"/>
+            <a:ext cx="2038538" cy="3624069"/>
+          </a:xfrm>
+          <a:prstGeom prst="rect">
+            <a:avLst/>
+          </a:prstGeom>
+        </p:spPr>
+      </p:pic>
+      <p:pic>
+        <p:nvPicPr>
+          <p:cNvPr id="15" name="Picture 14"/>
+          <p:cNvPicPr>
+            <a:picLocks noChangeAspect="1"/>
+          </p:cNvPicPr>
+          <p:nvPr/>
+        </p:nvPicPr>
+        <p:blipFill>
+          <a:blip r:embed="rId5" cstate="print">
+            <a:extLst>
+              <a:ext uri="{28A0092B-C50C-407E-A947-70E740481C1C}">
+                <a14:useLocalDpi xmlns:a14="http://schemas.microsoft.com/office/drawing/2010/main" val="0"/>
+              </a:ext>
+            </a:extLst>
+          </a:blip>
+          <a:stretch>
+            <a:fillRect/>
+          </a:stretch>
+        </p:blipFill>
+        <p:spPr>
+          <a:xfrm>
+            <a:off x="3333812" y="9774656"/>
+            <a:ext cx="2032487" cy="3613311"/>
+          </a:xfrm>
+          <a:prstGeom prst="rect">
+            <a:avLst/>
+          </a:prstGeom>
+        </p:spPr>
+      </p:pic>
+      <p:pic>
+        <p:nvPicPr>
+          <p:cNvPr id="3" name="Picture 2"/>
+          <p:cNvPicPr>
+            <a:picLocks noChangeAspect="1"/>
+          </p:cNvPicPr>
+          <p:nvPr/>
+        </p:nvPicPr>
+        <p:blipFill>
+          <a:blip r:embed="rId6" cstate="print">
+            <a:extLst>
+              <a:ext uri="{28A0092B-C50C-407E-A947-70E740481C1C}">
+                <a14:useLocalDpi xmlns:a14="http://schemas.microsoft.com/office/drawing/2010/main" val="0"/>
+              </a:ext>
+            </a:extLst>
+          </a:blip>
+          <a:stretch>
+            <a:fillRect/>
+          </a:stretch>
+        </p:blipFill>
+        <p:spPr>
+          <a:xfrm>
+            <a:off x="1217800" y="9774656"/>
+            <a:ext cx="2032487" cy="3613311"/>
+          </a:xfrm>
+          <a:prstGeom prst="rect">
+            <a:avLst/>
+          </a:prstGeom>
+        </p:spPr>
+      </p:pic>
     </p:spTree>
     <p:extLst>
       <p:ext uri="{BB962C8B-B14F-4D97-AF65-F5344CB8AC3E}">
